--- a/analysed-data-source/data-portal-process.pptx
+++ b/analysed-data-source/data-portal-process.pptx
@@ -7855,7 +7855,13 @@
               <a:rPr lang="ko-KR" altLang="en-US" sz="4000" b="1" dirty="0" smtClean="0">
                 <a:latin typeface="+mj-ea"/>
               </a:rPr>
-              <a:t>데이터 수집 및 전처리 과정</a:t>
+              <a:t>데이터 수집 및 </a:t>
+            </a:r>
+            <a:r>
+              <a:rPr lang="ko-KR" altLang="en-US" sz="4000" b="1" dirty="0" smtClean="0">
+                <a:latin typeface="+mj-ea"/>
+              </a:rPr>
+              <a:t>전처리</a:t>
             </a:r>
             <a:endParaRPr lang="ko-KR" altLang="en-US" sz="4000" b="1" dirty="0">
               <a:latin typeface="+mj-ea"/>
@@ -7865,94 +7871,6 @@
       </p:sp>
       <p:sp>
         <p:nvSpPr>
-          <p:cNvPr id="8" name="막힌 원호 7"/>
-          <p:cNvSpPr/>
-          <p:nvPr/>
-        </p:nvSpPr>
-        <p:spPr>
-          <a:xfrm flipH="1">
-            <a:off x="7823200" y="1058339"/>
-            <a:ext cx="4368800" cy="3276600"/>
-          </a:xfrm>
-          <a:prstGeom prst="blockArc">
-            <a:avLst/>
-          </a:prstGeom>
-          <a:ln/>
-        </p:spPr>
-        <p:style>
-          <a:lnRef idx="3">
-            <a:schemeClr val="lt1"/>
-          </a:lnRef>
-          <a:fillRef idx="1">
-            <a:schemeClr val="accent5"/>
-          </a:fillRef>
-          <a:effectRef idx="1">
-            <a:schemeClr val="accent5"/>
-          </a:effectRef>
-          <a:fontRef idx="minor">
-            <a:schemeClr val="lt1"/>
-          </a:fontRef>
-        </p:style>
-        <p:txBody>
-          <a:bodyPr rtlCol="0" anchor="ctr"/>
-          <a:lstStyle/>
-          <a:p>
-            <a:pPr algn="ctr"/>
-            <a:endParaRPr lang="ko-KR" altLang="en-US">
-              <a:solidFill>
-                <a:prstClr val="black"/>
-              </a:solidFill>
-            </a:endParaRPr>
-          </a:p>
-        </p:txBody>
-      </p:sp>
-      <p:sp>
-        <p:nvSpPr>
-          <p:cNvPr id="9" name="막힌 원호 8"/>
-          <p:cNvSpPr/>
-          <p:nvPr/>
-        </p:nvSpPr>
-        <p:spPr>
-          <a:xfrm flipH="1" flipV="1">
-            <a:off x="7823200" y="2150539"/>
-            <a:ext cx="4368800" cy="3276600"/>
-          </a:xfrm>
-          <a:prstGeom prst="blockArc">
-            <a:avLst/>
-          </a:prstGeom>
-          <a:ln/>
-        </p:spPr>
-        <p:style>
-          <a:lnRef idx="2">
-            <a:schemeClr val="accent5">
-              <a:shade val="50000"/>
-            </a:schemeClr>
-          </a:lnRef>
-          <a:fillRef idx="1">
-            <a:schemeClr val="accent5"/>
-          </a:fillRef>
-          <a:effectRef idx="0">
-            <a:schemeClr val="accent5"/>
-          </a:effectRef>
-          <a:fontRef idx="minor">
-            <a:schemeClr val="lt1"/>
-          </a:fontRef>
-        </p:style>
-        <p:txBody>
-          <a:bodyPr rtlCol="0" anchor="ctr"/>
-          <a:lstStyle/>
-          <a:p>
-            <a:pPr algn="ctr"/>
-            <a:endParaRPr lang="ko-KR" altLang="en-US">
-              <a:solidFill>
-                <a:prstClr val="black"/>
-              </a:solidFill>
-            </a:endParaRPr>
-          </a:p>
-        </p:txBody>
-      </p:sp>
-      <p:sp>
-        <p:nvSpPr>
           <p:cNvPr id="3" name="TextBox 2"/>
           <p:cNvSpPr txBox="1"/>
           <p:nvPr/>
@@ -7960,7 +7878,7 @@
         <p:spPr>
           <a:xfrm>
             <a:off x="7365075" y="5908300"/>
-            <a:ext cx="4759193" cy="400110"/>
+            <a:ext cx="4759193" cy="707886"/>
           </a:xfrm>
           <a:prstGeom prst="rect">
             <a:avLst/>
@@ -7976,7 +7894,19 @@
             <a:pPr algn="r"/>
             <a:r>
               <a:rPr lang="ko-KR" altLang="en-US" sz="2000" dirty="0" smtClean="0"/>
-              <a:t>강원대학교 글로벌비즈니스학과 김도훈</a:t>
+              <a:t>강원대학교 글로벌비즈니스학과 </a:t>
+            </a:r>
+            <a:r>
+              <a:rPr lang="ko-KR" altLang="en-US" sz="2000" dirty="0" smtClean="0"/>
+              <a:t>김도훈</a:t>
+            </a:r>
+            <a:endParaRPr lang="en-US" altLang="ko-KR" sz="2000" dirty="0" smtClean="0"/>
+          </a:p>
+          <a:p>
+            <a:pPr algn="r"/>
+            <a:r>
+              <a:rPr lang="ko-KR" altLang="en-US" sz="2000" smtClean="0"/>
+              <a:t>한국과학기술정보연구원 김학래</a:t>
             </a:r>
             <a:endParaRPr lang="en-US" altLang="ko-KR" sz="2000" dirty="0" smtClean="0"/>
           </a:p>
@@ -17552,28 +17482,28 @@
                 <a:gridCol w="1008205">
                   <a:extLst>
                     <a:ext uri="{9D8B030D-6E8A-4147-A177-3AD203B41FA5}">
-                      <a16:colId xmlns="" xmlns:a16="http://schemas.microsoft.com/office/drawing/2014/main" val="4100165131"/>
+                      <a16:colId xmlns:a16="http://schemas.microsoft.com/office/drawing/2014/main" xmlns="" val="4100165131"/>
                     </a:ext>
                   </a:extLst>
                 </a:gridCol>
                 <a:gridCol w="1008205">
                   <a:extLst>
                     <a:ext uri="{9D8B030D-6E8A-4147-A177-3AD203B41FA5}">
-                      <a16:colId xmlns="" xmlns:a16="http://schemas.microsoft.com/office/drawing/2014/main" val="2152621711"/>
+                      <a16:colId xmlns:a16="http://schemas.microsoft.com/office/drawing/2014/main" xmlns="" val="2152621711"/>
                     </a:ext>
                   </a:extLst>
                 </a:gridCol>
                 <a:gridCol w="1008205">
                   <a:extLst>
                     <a:ext uri="{9D8B030D-6E8A-4147-A177-3AD203B41FA5}">
-                      <a16:colId xmlns="" xmlns:a16="http://schemas.microsoft.com/office/drawing/2014/main" val="203592515"/>
+                      <a16:colId xmlns:a16="http://schemas.microsoft.com/office/drawing/2014/main" xmlns="" val="203592515"/>
                     </a:ext>
                   </a:extLst>
                 </a:gridCol>
                 <a:gridCol w="1008205">
                   <a:extLst>
                     <a:ext uri="{9D8B030D-6E8A-4147-A177-3AD203B41FA5}">
-                      <a16:colId xmlns="" xmlns:a16="http://schemas.microsoft.com/office/drawing/2014/main" val="4162294485"/>
+                      <a16:colId xmlns:a16="http://schemas.microsoft.com/office/drawing/2014/main" xmlns="" val="4162294485"/>
                     </a:ext>
                   </a:extLst>
                 </a:gridCol>
@@ -17641,7 +17571,7 @@
                 </a:tc>
                 <a:extLst>
                   <a:ext uri="{0D108BD9-81ED-4DB2-BD59-A6C34878D82A}">
-                    <a16:rowId xmlns="" xmlns:a16="http://schemas.microsoft.com/office/drawing/2014/main" val="1824151171"/>
+                    <a16:rowId xmlns:a16="http://schemas.microsoft.com/office/drawing/2014/main" xmlns="" val="1824151171"/>
                   </a:ext>
                 </a:extLst>
               </a:tr>
@@ -17677,28 +17607,28 @@
                 <a:gridCol w="1015544">
                   <a:extLst>
                     <a:ext uri="{9D8B030D-6E8A-4147-A177-3AD203B41FA5}">
-                      <a16:colId xmlns="" xmlns:a16="http://schemas.microsoft.com/office/drawing/2014/main" val="4100165131"/>
+                      <a16:colId xmlns:a16="http://schemas.microsoft.com/office/drawing/2014/main" xmlns="" val="4100165131"/>
                     </a:ext>
                   </a:extLst>
                 </a:gridCol>
                 <a:gridCol w="1015544">
                   <a:extLst>
                     <a:ext uri="{9D8B030D-6E8A-4147-A177-3AD203B41FA5}">
-                      <a16:colId xmlns="" xmlns:a16="http://schemas.microsoft.com/office/drawing/2014/main" val="2152621711"/>
+                      <a16:colId xmlns:a16="http://schemas.microsoft.com/office/drawing/2014/main" xmlns="" val="2152621711"/>
                     </a:ext>
                   </a:extLst>
                 </a:gridCol>
                 <a:gridCol w="1015544">
                   <a:extLst>
                     <a:ext uri="{9D8B030D-6E8A-4147-A177-3AD203B41FA5}">
-                      <a16:colId xmlns="" xmlns:a16="http://schemas.microsoft.com/office/drawing/2014/main" val="203592515"/>
+                      <a16:colId xmlns:a16="http://schemas.microsoft.com/office/drawing/2014/main" xmlns="" val="203592515"/>
                     </a:ext>
                   </a:extLst>
                 </a:gridCol>
                 <a:gridCol w="1015544">
                   <a:extLst>
                     <a:ext uri="{9D8B030D-6E8A-4147-A177-3AD203B41FA5}">
-                      <a16:colId xmlns="" xmlns:a16="http://schemas.microsoft.com/office/drawing/2014/main" val="4162294485"/>
+                      <a16:colId xmlns:a16="http://schemas.microsoft.com/office/drawing/2014/main" xmlns="" val="4162294485"/>
                     </a:ext>
                   </a:extLst>
                 </a:gridCol>
@@ -17766,7 +17696,7 @@
                 </a:tc>
                 <a:extLst>
                   <a:ext uri="{0D108BD9-81ED-4DB2-BD59-A6C34878D82A}">
-                    <a16:rowId xmlns="" xmlns:a16="http://schemas.microsoft.com/office/drawing/2014/main" val="1824151171"/>
+                    <a16:rowId xmlns:a16="http://schemas.microsoft.com/office/drawing/2014/main" xmlns="" val="1824151171"/>
                   </a:ext>
                 </a:extLst>
               </a:tr>
